--- a/Prediction based on convolutional neural network/worklog/Deeplearning tricks.pptx
+++ b/Prediction based on convolutional neural network/worklog/Deeplearning tricks.pptx
@@ -5,10 +5,10 @@
     <p:sldMasterId id="2147483648" r:id="rId1"/>
   </p:sldMasterIdLst>
   <p:notesMasterIdLst>
-    <p:notesMasterId r:id="rId36"/>
+    <p:notesMasterId r:id="rId37"/>
   </p:notesMasterIdLst>
   <p:handoutMasterIdLst>
-    <p:handoutMasterId r:id="rId37"/>
+    <p:handoutMasterId r:id="rId38"/>
   </p:handoutMasterIdLst>
   <p:sldIdLst>
     <p:sldId id="276" r:id="rId2"/>
@@ -43,8 +43,9 @@
     <p:sldId id="1074" r:id="rId31"/>
     <p:sldId id="1075" r:id="rId32"/>
     <p:sldId id="1076" r:id="rId33"/>
-    <p:sldId id="1078" r:id="rId34"/>
-    <p:sldId id="1080" r:id="rId35"/>
+    <p:sldId id="1081" r:id="rId34"/>
+    <p:sldId id="1078" r:id="rId35"/>
+    <p:sldId id="1080" r:id="rId36"/>
   </p:sldIdLst>
   <p:sldSz cx="9144000" cy="6858000" type="screen4x3"/>
   <p:notesSz cx="6858000" cy="9144000"/>
@@ -4094,7 +4095,7 @@
           <a:graphicData uri="http://schemas.openxmlformats.org/presentationml/2006/ole">
             <mc:AlternateContent xmlns:mc="http://schemas.openxmlformats.org/markup-compatibility/2006">
               <mc:Choice xmlns:v="urn:schemas-microsoft-com:vml" Requires="v">
-                <p:oleObj spid="_x0000_s231509" name="Image" r:id="rId17" imgW="12990476" imgH="1752381" progId="Photoshop.Image.7">
+                <p:oleObj spid="_x0000_s231511" name="Image" r:id="rId17" imgW="12990476" imgH="1752381" progId="Photoshop.Image.7">
                   <p:embed/>
                 </p:oleObj>
               </mc:Choice>
@@ -18250,6 +18251,241 @@
           <p:cNvPr id="2" name="标题 1">
             <a:extLst>
               <a:ext uri="{FF2B5EF4-FFF2-40B4-BE49-F238E27FC236}">
+                <a16:creationId xmlns:a16="http://schemas.microsoft.com/office/drawing/2014/main" id="{216A3B46-FD49-4931-9751-C44408B51D94}"/>
+              </a:ext>
+            </a:extLst>
+          </p:cNvPr>
+          <p:cNvSpPr>
+            <a:spLocks noGrp="1"/>
+          </p:cNvSpPr>
+          <p:nvPr>
+            <p:ph type="title"/>
+          </p:nvPr>
+        </p:nvSpPr>
+        <p:spPr/>
+        <p:txBody>
+          <a:bodyPr/>
+          <a:lstStyle/>
+          <a:p>
+            <a:r>
+              <a:rPr lang="zh-CN" altLang="en-US"/>
+              <a:t>最重要的一点</a:t>
+            </a:r>
+          </a:p>
+        </p:txBody>
+      </p:sp>
+      <p:sp>
+        <p:nvSpPr>
+          <p:cNvPr id="4" name="文本框 3">
+            <a:extLst>
+              <a:ext uri="{FF2B5EF4-FFF2-40B4-BE49-F238E27FC236}">
+                <a16:creationId xmlns:a16="http://schemas.microsoft.com/office/drawing/2014/main" id="{850A2456-A754-428E-BB6B-E76B5B12FB86}"/>
+              </a:ext>
+            </a:extLst>
+          </p:cNvPr>
+          <p:cNvSpPr txBox="1"/>
+          <p:nvPr/>
+        </p:nvSpPr>
+        <p:spPr>
+          <a:xfrm>
+            <a:off x="-136982" y="3429000"/>
+            <a:ext cx="9417963" cy="1107996"/>
+          </a:xfrm>
+          <a:prstGeom prst="rect">
+            <a:avLst/>
+          </a:prstGeom>
+          <a:noFill/>
+        </p:spPr>
+        <p:txBody>
+          <a:bodyPr wrap="none" rtlCol="0">
+            <a:spAutoFit/>
+          </a:bodyPr>
+          <a:lstStyle/>
+          <a:p>
+            <a:r>
+              <a:rPr lang="zh-CN" altLang="en-US" sz="4800"/>
+              <a:t>纸上得来终觉浅，绝知此事要躬行</a:t>
+            </a:r>
+          </a:p>
+          <a:p>
+            <a:endParaRPr lang="zh-CN" altLang="en-US"/>
+          </a:p>
+        </p:txBody>
+      </p:sp>
+    </p:spTree>
+    <p:extLst>
+      <p:ext uri="{BB962C8B-B14F-4D97-AF65-F5344CB8AC3E}">
+        <p14:creationId xmlns:p14="http://schemas.microsoft.com/office/powerpoint/2010/main" val="3633302018"/>
+      </p:ext>
+    </p:extLst>
+  </p:cSld>
+  <p:clrMapOvr>
+    <a:masterClrMapping/>
+  </p:clrMapOvr>
+  <p:timing>
+    <p:tnLst>
+      <p:par>
+        <p:cTn id="1" dur="indefinite" restart="never" nodeType="tmRoot">
+          <p:childTnLst>
+            <p:seq concurrent="1" nextAc="seek">
+              <p:cTn id="2" dur="indefinite" nodeType="mainSeq">
+                <p:childTnLst>
+                  <p:par>
+                    <p:cTn id="3" fill="hold">
+                      <p:stCondLst>
+                        <p:cond delay="indefinite"/>
+                      </p:stCondLst>
+                      <p:childTnLst>
+                        <p:par>
+                          <p:cTn id="4" fill="hold">
+                            <p:stCondLst>
+                              <p:cond delay="0"/>
+                            </p:stCondLst>
+                            <p:childTnLst>
+                              <p:par>
+                                <p:cTn id="5" presetID="34" presetClass="emph" presetSubtype="0" fill="hold" grpId="0" nodeType="clickEffect">
+                                  <p:stCondLst>
+                                    <p:cond delay="0"/>
+                                  </p:stCondLst>
+                                  <p:iterate type="lt">
+                                    <p:tmPct val="10000"/>
+                                  </p:iterate>
+                                  <p:childTnLst>
+                                    <p:animMotion origin="layout" path="M 0.0 0.0 L 0.0 -0.07213" pathEditMode="relative" ptsTypes="">
+                                      <p:cBhvr>
+                                        <p:cTn id="6" dur="1000" accel="50000" decel="50000" autoRev="1" fill="hold">
+                                          <p:stCondLst>
+                                            <p:cond delay="0"/>
+                                          </p:stCondLst>
+                                        </p:cTn>
+                                        <p:tgtEl>
+                                          <p:spTgt spid="4"/>
+                                        </p:tgtEl>
+                                        <p:attrNameLst>
+                                          <p:attrName>ppt_x</p:attrName>
+                                          <p:attrName>ppt_y</p:attrName>
+                                        </p:attrNameLst>
+                                      </p:cBhvr>
+                                    </p:animMotion>
+                                    <p:animRot by="1500000">
+                                      <p:cBhvr>
+                                        <p:cTn id="7" dur="500" fill="hold">
+                                          <p:stCondLst>
+                                            <p:cond delay="0"/>
+                                          </p:stCondLst>
+                                        </p:cTn>
+                                        <p:tgtEl>
+                                          <p:spTgt spid="4"/>
+                                        </p:tgtEl>
+                                        <p:attrNameLst>
+                                          <p:attrName>r</p:attrName>
+                                        </p:attrNameLst>
+                                      </p:cBhvr>
+                                    </p:animRot>
+                                    <p:animRot by="-1500000">
+                                      <p:cBhvr>
+                                        <p:cTn id="8" dur="500" fill="hold">
+                                          <p:stCondLst>
+                                            <p:cond delay="500"/>
+                                          </p:stCondLst>
+                                        </p:cTn>
+                                        <p:tgtEl>
+                                          <p:spTgt spid="4"/>
+                                        </p:tgtEl>
+                                        <p:attrNameLst>
+                                          <p:attrName>r</p:attrName>
+                                        </p:attrNameLst>
+                                      </p:cBhvr>
+                                    </p:animRot>
+                                    <p:animRot by="-1500000">
+                                      <p:cBhvr>
+                                        <p:cTn id="9" dur="500" fill="hold">
+                                          <p:stCondLst>
+                                            <p:cond delay="1000"/>
+                                          </p:stCondLst>
+                                        </p:cTn>
+                                        <p:tgtEl>
+                                          <p:spTgt spid="4"/>
+                                        </p:tgtEl>
+                                        <p:attrNameLst>
+                                          <p:attrName>r</p:attrName>
+                                        </p:attrNameLst>
+                                      </p:cBhvr>
+                                    </p:animRot>
+                                    <p:animRot by="1500000">
+                                      <p:cBhvr>
+                                        <p:cTn id="10" dur="500" fill="hold">
+                                          <p:stCondLst>
+                                            <p:cond delay="1500"/>
+                                          </p:stCondLst>
+                                        </p:cTn>
+                                        <p:tgtEl>
+                                          <p:spTgt spid="4"/>
+                                        </p:tgtEl>
+                                        <p:attrNameLst>
+                                          <p:attrName>r</p:attrName>
+                                        </p:attrNameLst>
+                                      </p:cBhvr>
+                                    </p:animRot>
+                                  </p:childTnLst>
+                                </p:cTn>
+                              </p:par>
+                            </p:childTnLst>
+                          </p:cTn>
+                        </p:par>
+                      </p:childTnLst>
+                    </p:cTn>
+                  </p:par>
+                </p:childTnLst>
+              </p:cTn>
+              <p:prevCondLst>
+                <p:cond evt="onPrev" delay="0">
+                  <p:tgtEl>
+                    <p:sldTgt/>
+                  </p:tgtEl>
+                </p:cond>
+              </p:prevCondLst>
+              <p:nextCondLst>
+                <p:cond evt="onNext" delay="0">
+                  <p:tgtEl>
+                    <p:sldTgt/>
+                  </p:tgtEl>
+                </p:cond>
+              </p:nextCondLst>
+            </p:seq>
+          </p:childTnLst>
+        </p:cTn>
+      </p:par>
+    </p:tnLst>
+    <p:bldLst>
+      <p:bldP spid="4" grpId="0"/>
+    </p:bldLst>
+  </p:timing>
+</p:sld>
+</file>
+
+<file path=ppt/slides/slide34.xml><?xml version="1.0" encoding="utf-8"?>
+<p:sld xmlns:a="http://schemas.openxmlformats.org/drawingml/2006/main" xmlns:r="http://schemas.openxmlformats.org/officeDocument/2006/relationships" xmlns:p="http://schemas.openxmlformats.org/presentationml/2006/main">
+  <p:cSld>
+    <p:spTree>
+      <p:nvGrpSpPr>
+        <p:cNvPr id="1" name=""/>
+        <p:cNvGrpSpPr/>
+        <p:nvPr/>
+      </p:nvGrpSpPr>
+      <p:grpSpPr>
+        <a:xfrm>
+          <a:off x="0" y="0"/>
+          <a:ext cx="0" cy="0"/>
+          <a:chOff x="0" y="0"/>
+          <a:chExt cx="0" cy="0"/>
+        </a:xfrm>
+      </p:grpSpPr>
+      <p:sp>
+        <p:nvSpPr>
+          <p:cNvPr id="2" name="标题 1">
+            <a:extLst>
+              <a:ext uri="{FF2B5EF4-FFF2-40B4-BE49-F238E27FC236}">
                 <a16:creationId xmlns:a16="http://schemas.microsoft.com/office/drawing/2014/main" id="{BE7303B3-0381-4240-B983-35A36B5FB6D2}"/>
               </a:ext>
             </a:extLst>
@@ -18504,7 +18740,7 @@
 </p:sld>
 </file>
 
-<file path=ppt/slides/slide34.xml><?xml version="1.0" encoding="utf-8"?>
+<file path=ppt/slides/slide35.xml><?xml version="1.0" encoding="utf-8"?>
 <p:sld xmlns:a="http://schemas.openxmlformats.org/drawingml/2006/main" xmlns:r="http://schemas.openxmlformats.org/officeDocument/2006/relationships" xmlns:p="http://schemas.openxmlformats.org/presentationml/2006/main">
   <p:cSld>
     <p:spTree>

--- a/Prediction based on convolutional neural network/worklog/Deeplearning tricks.pptx
+++ b/Prediction based on convolutional neural network/worklog/Deeplearning tricks.pptx
@@ -4095,7 +4095,7 @@
           <a:graphicData uri="http://schemas.openxmlformats.org/presentationml/2006/ole">
             <mc:AlternateContent xmlns:mc="http://schemas.openxmlformats.org/markup-compatibility/2006">
               <mc:Choice xmlns:v="urn:schemas-microsoft-com:vml" Requires="v">
-                <p:oleObj spid="_x0000_s231511" name="Image" r:id="rId17" imgW="12990476" imgH="1752381" progId="Photoshop.Image.7">
+                <p:oleObj spid="_x0000_s231515" name="Image" r:id="rId17" imgW="12990476" imgH="1752381" progId="Photoshop.Image.7">
                   <p:embed/>
                 </p:oleObj>
               </mc:Choice>
@@ -18269,7 +18269,7 @@
           <a:p>
             <a:r>
               <a:rPr lang="zh-CN" altLang="en-US"/>
-              <a:t>最重要的一点</a:t>
+              <a:t>划重点</a:t>
             </a:r>
           </a:p>
         </p:txBody>
@@ -18288,8 +18288,8 @@
         </p:nvSpPr>
         <p:spPr>
           <a:xfrm>
-            <a:off x="-136982" y="3429000"/>
-            <a:ext cx="9417963" cy="1107996"/>
+            <a:off x="247739" y="2166536"/>
+            <a:ext cx="8648521" cy="1046440"/>
           </a:xfrm>
           <a:prstGeom prst="rect">
             <a:avLst/>
@@ -18303,12 +18303,117 @@
           <a:lstStyle/>
           <a:p>
             <a:r>
-              <a:rPr lang="zh-CN" altLang="en-US" sz="4800"/>
+              <a:rPr lang="zh-CN" altLang="en-US" sz="4400"/>
               <a:t>纸上得来终觉浅，绝知此事要躬行</a:t>
             </a:r>
           </a:p>
           <a:p>
             <a:endParaRPr lang="zh-CN" altLang="en-US"/>
+          </a:p>
+        </p:txBody>
+      </p:sp>
+      <p:sp>
+        <p:nvSpPr>
+          <p:cNvPr id="3" name="文本框 2">
+            <a:extLst>
+              <a:ext uri="{FF2B5EF4-FFF2-40B4-BE49-F238E27FC236}">
+                <a16:creationId xmlns:a16="http://schemas.microsoft.com/office/drawing/2014/main" id="{F5CF0BED-C6AF-4186-9CA0-DC60C6924802}"/>
+              </a:ext>
+            </a:extLst>
+          </p:cNvPr>
+          <p:cNvSpPr txBox="1"/>
+          <p:nvPr/>
+        </p:nvSpPr>
+        <p:spPr>
+          <a:xfrm>
+            <a:off x="1940507" y="3307630"/>
+            <a:ext cx="5262979" cy="769441"/>
+          </a:xfrm>
+          <a:prstGeom prst="rect">
+            <a:avLst/>
+          </a:prstGeom>
+          <a:noFill/>
+        </p:spPr>
+        <p:txBody>
+          <a:bodyPr wrap="none" rtlCol="0">
+            <a:spAutoFit/>
+          </a:bodyPr>
+          <a:lstStyle/>
+          <a:p>
+            <a:r>
+              <a:rPr lang="zh-CN" altLang="en-US" sz="4400"/>
+              <a:t>相信自己，相信经验</a:t>
+            </a:r>
+          </a:p>
+        </p:txBody>
+      </p:sp>
+      <p:sp>
+        <p:nvSpPr>
+          <p:cNvPr id="5" name="文本框 4">
+            <a:extLst>
+              <a:ext uri="{FF2B5EF4-FFF2-40B4-BE49-F238E27FC236}">
+                <a16:creationId xmlns:a16="http://schemas.microsoft.com/office/drawing/2014/main" id="{B206FA56-34B6-4222-8F3B-E977FE130FF2}"/>
+              </a:ext>
+            </a:extLst>
+          </p:cNvPr>
+          <p:cNvSpPr txBox="1"/>
+          <p:nvPr/>
+        </p:nvSpPr>
+        <p:spPr>
+          <a:xfrm>
+            <a:off x="1940507" y="4437112"/>
+            <a:ext cx="5262979" cy="769441"/>
+          </a:xfrm>
+          <a:prstGeom prst="rect">
+            <a:avLst/>
+          </a:prstGeom>
+          <a:noFill/>
+        </p:spPr>
+        <p:txBody>
+          <a:bodyPr wrap="none" rtlCol="0">
+            <a:spAutoFit/>
+          </a:bodyPr>
+          <a:lstStyle/>
+          <a:p>
+            <a:r>
+              <a:rPr lang="zh-CN" altLang="en-US" sz="4400"/>
+              <a:t>自力更生，丰衣足食</a:t>
+            </a:r>
+          </a:p>
+        </p:txBody>
+      </p:sp>
+      <p:sp>
+        <p:nvSpPr>
+          <p:cNvPr id="6" name="文本框 5">
+            <a:extLst>
+              <a:ext uri="{FF2B5EF4-FFF2-40B4-BE49-F238E27FC236}">
+                <a16:creationId xmlns:a16="http://schemas.microsoft.com/office/drawing/2014/main" id="{55DCC3B9-6D96-43CE-BDB8-043E15A57558}"/>
+              </a:ext>
+            </a:extLst>
+          </p:cNvPr>
+          <p:cNvSpPr txBox="1"/>
+          <p:nvPr/>
+        </p:nvSpPr>
+        <p:spPr>
+          <a:xfrm>
+            <a:off x="2051720" y="5566594"/>
+            <a:ext cx="5262979" cy="769441"/>
+          </a:xfrm>
+          <a:prstGeom prst="rect">
+            <a:avLst/>
+          </a:prstGeom>
+          <a:noFill/>
+        </p:spPr>
+        <p:txBody>
+          <a:bodyPr wrap="none" rtlCol="0">
+            <a:spAutoFit/>
+          </a:bodyPr>
+          <a:lstStyle/>
+          <a:p>
+            <a:r>
+              <a:rPr lang="zh-CN" altLang="en-US" sz="4400"/>
+              <a:t>开动脑经，多写代码</a:t>
+            </a:r>
           </a:p>
         </p:txBody>
       </p:sp>
@@ -18343,7 +18448,63 @@
                             </p:stCondLst>
                             <p:childTnLst>
                               <p:par>
-                                <p:cTn id="5" presetID="34" presetClass="emph" presetSubtype="0" fill="hold" grpId="0" nodeType="clickEffect">
+                                <p:cTn id="5" presetID="21" presetClass="entr" presetSubtype="1" fill="hold" grpId="1" nodeType="clickEffect">
+                                  <p:stCondLst>
+                                    <p:cond delay="0"/>
+                                  </p:stCondLst>
+                                  <p:iterate type="lt">
+                                    <p:tmPct val="0"/>
+                                  </p:iterate>
+                                  <p:childTnLst>
+                                    <p:set>
+                                      <p:cBhvr>
+                                        <p:cTn id="6" dur="1" fill="hold">
+                                          <p:stCondLst>
+                                            <p:cond delay="0"/>
+                                          </p:stCondLst>
+                                        </p:cTn>
+                                        <p:tgtEl>
+                                          <p:spTgt spid="4"/>
+                                        </p:tgtEl>
+                                        <p:attrNameLst>
+                                          <p:attrName>style.visibility</p:attrName>
+                                        </p:attrNameLst>
+                                      </p:cBhvr>
+                                      <p:to>
+                                        <p:strVal val="visible"/>
+                                      </p:to>
+                                    </p:set>
+                                    <p:animEffect transition="in" filter="wheel(1)">
+                                      <p:cBhvr>
+                                        <p:cTn id="7" dur="2000"/>
+                                        <p:tgtEl>
+                                          <p:spTgt spid="4"/>
+                                        </p:tgtEl>
+                                      </p:cBhvr>
+                                    </p:animEffect>
+                                  </p:childTnLst>
+                                </p:cTn>
+                              </p:par>
+                            </p:childTnLst>
+                          </p:cTn>
+                        </p:par>
+                      </p:childTnLst>
+                    </p:cTn>
+                  </p:par>
+                  <p:par>
+                    <p:cTn id="8" fill="hold">
+                      <p:stCondLst>
+                        <p:cond delay="indefinite"/>
+                      </p:stCondLst>
+                      <p:childTnLst>
+                        <p:par>
+                          <p:cTn id="9" fill="hold">
+                            <p:stCondLst>
+                              <p:cond delay="0"/>
+                            </p:stCondLst>
+                            <p:childTnLst>
+                              <p:par>
+                                <p:cTn id="10" presetID="34" presetClass="emph" presetSubtype="0" fill="hold" grpId="0" nodeType="clickEffect">
                                   <p:stCondLst>
                                     <p:cond delay="0"/>
                                   </p:stCondLst>
@@ -18353,7 +18514,7 @@
                                   <p:childTnLst>
                                     <p:animMotion origin="layout" path="M 0.0 0.0 L 0.0 -0.07213" pathEditMode="relative" ptsTypes="">
                                       <p:cBhvr>
-                                        <p:cTn id="6" dur="1000" accel="50000" decel="50000" autoRev="1" fill="hold">
+                                        <p:cTn id="11" dur="1000" accel="50000" decel="50000" autoRev="1" fill="hold">
                                           <p:stCondLst>
                                             <p:cond delay="0"/>
                                           </p:stCondLst>
@@ -18369,7 +18530,7 @@
                                     </p:animMotion>
                                     <p:animRot by="1500000">
                                       <p:cBhvr>
-                                        <p:cTn id="7" dur="500" fill="hold">
+                                        <p:cTn id="12" dur="500" fill="hold">
                                           <p:stCondLst>
                                             <p:cond delay="0"/>
                                           </p:stCondLst>
@@ -18384,7 +18545,7 @@
                                     </p:animRot>
                                     <p:animRot by="-1500000">
                                       <p:cBhvr>
-                                        <p:cTn id="8" dur="500" fill="hold">
+                                        <p:cTn id="13" dur="500" fill="hold">
                                           <p:stCondLst>
                                             <p:cond delay="500"/>
                                           </p:stCondLst>
@@ -18399,7 +18560,7 @@
                                     </p:animRot>
                                     <p:animRot by="-1500000">
                                       <p:cBhvr>
-                                        <p:cTn id="9" dur="500" fill="hold">
+                                        <p:cTn id="14" dur="500" fill="hold">
                                           <p:stCondLst>
                                             <p:cond delay="1000"/>
                                           </p:stCondLst>
@@ -18414,7 +18575,7 @@
                                     </p:animRot>
                                     <p:animRot by="1500000">
                                       <p:cBhvr>
-                                        <p:cTn id="10" dur="500" fill="hold">
+                                        <p:cTn id="15" dur="500" fill="hold">
                                           <p:stCondLst>
                                             <p:cond delay="1500"/>
                                           </p:stCondLst>
@@ -18427,6 +18588,408 @@
                                         </p:attrNameLst>
                                       </p:cBhvr>
                                     </p:animRot>
+                                  </p:childTnLst>
+                                </p:cTn>
+                              </p:par>
+                            </p:childTnLst>
+                          </p:cTn>
+                        </p:par>
+                      </p:childTnLst>
+                    </p:cTn>
+                  </p:par>
+                  <p:par>
+                    <p:cTn id="16" fill="hold">
+                      <p:stCondLst>
+                        <p:cond delay="indefinite"/>
+                      </p:stCondLst>
+                      <p:childTnLst>
+                        <p:par>
+                          <p:cTn id="17" fill="hold">
+                            <p:stCondLst>
+                              <p:cond delay="0"/>
+                            </p:stCondLst>
+                            <p:childTnLst>
+                              <p:par>
+                                <p:cTn id="18" presetID="14" presetClass="entr" presetSubtype="10" fill="hold" grpId="0" nodeType="clickEffect">
+                                  <p:stCondLst>
+                                    <p:cond delay="0"/>
+                                  </p:stCondLst>
+                                  <p:childTnLst>
+                                    <p:set>
+                                      <p:cBhvr>
+                                        <p:cTn id="19" dur="1" fill="hold">
+                                          <p:stCondLst>
+                                            <p:cond delay="0"/>
+                                          </p:stCondLst>
+                                        </p:cTn>
+                                        <p:tgtEl>
+                                          <p:spTgt spid="3"/>
+                                        </p:tgtEl>
+                                        <p:attrNameLst>
+                                          <p:attrName>style.visibility</p:attrName>
+                                        </p:attrNameLst>
+                                      </p:cBhvr>
+                                      <p:to>
+                                        <p:strVal val="visible"/>
+                                      </p:to>
+                                    </p:set>
+                                    <p:animEffect transition="in" filter="randombar(horizontal)">
+                                      <p:cBhvr>
+                                        <p:cTn id="20" dur="500"/>
+                                        <p:tgtEl>
+                                          <p:spTgt spid="3"/>
+                                        </p:tgtEl>
+                                      </p:cBhvr>
+                                    </p:animEffect>
+                                  </p:childTnLst>
+                                </p:cTn>
+                              </p:par>
+                            </p:childTnLst>
+                          </p:cTn>
+                        </p:par>
+                      </p:childTnLst>
+                    </p:cTn>
+                  </p:par>
+                  <p:par>
+                    <p:cTn id="21" fill="hold">
+                      <p:stCondLst>
+                        <p:cond delay="indefinite"/>
+                      </p:stCondLst>
+                      <p:childTnLst>
+                        <p:par>
+                          <p:cTn id="22" fill="hold">
+                            <p:stCondLst>
+                              <p:cond delay="0"/>
+                            </p:stCondLst>
+                            <p:childTnLst>
+                              <p:par>
+                                <p:cTn id="23" presetID="26" presetClass="entr" presetSubtype="0" fill="hold" grpId="0" nodeType="clickEffect">
+                                  <p:stCondLst>
+                                    <p:cond delay="0"/>
+                                  </p:stCondLst>
+                                  <p:childTnLst>
+                                    <p:set>
+                                      <p:cBhvr>
+                                        <p:cTn id="24" dur="1" fill="hold">
+                                          <p:stCondLst>
+                                            <p:cond delay="0"/>
+                                          </p:stCondLst>
+                                        </p:cTn>
+                                        <p:tgtEl>
+                                          <p:spTgt spid="5"/>
+                                        </p:tgtEl>
+                                        <p:attrNameLst>
+                                          <p:attrName>style.visibility</p:attrName>
+                                        </p:attrNameLst>
+                                      </p:cBhvr>
+                                      <p:to>
+                                        <p:strVal val="visible"/>
+                                      </p:to>
+                                    </p:set>
+                                    <p:animEffect transition="in" filter="wipe(down)">
+                                      <p:cBhvr>
+                                        <p:cTn id="25" dur="580">
+                                          <p:stCondLst>
+                                            <p:cond delay="0"/>
+                                          </p:stCondLst>
+                                        </p:cTn>
+                                        <p:tgtEl>
+                                          <p:spTgt spid="5"/>
+                                        </p:tgtEl>
+                                      </p:cBhvr>
+                                    </p:animEffect>
+                                    <p:anim calcmode="lin" valueType="num">
+                                      <p:cBhvr>
+                                        <p:cTn id="26" dur="1822" tmFilter="0,0; 0.14,0.36; 0.43,0.73; 0.71,0.91; 1.0,1.0">
+                                          <p:stCondLst>
+                                            <p:cond delay="0"/>
+                                          </p:stCondLst>
+                                        </p:cTn>
+                                        <p:tgtEl>
+                                          <p:spTgt spid="5"/>
+                                        </p:tgtEl>
+                                        <p:attrNameLst>
+                                          <p:attrName>ppt_x</p:attrName>
+                                        </p:attrNameLst>
+                                      </p:cBhvr>
+                                      <p:tavLst>
+                                        <p:tav tm="0">
+                                          <p:val>
+                                            <p:strVal val="#ppt_x-0.25"/>
+                                          </p:val>
+                                        </p:tav>
+                                        <p:tav tm="100000">
+                                          <p:val>
+                                            <p:strVal val="#ppt_x"/>
+                                          </p:val>
+                                        </p:tav>
+                                      </p:tavLst>
+                                    </p:anim>
+                                    <p:anim calcmode="lin" valueType="num">
+                                      <p:cBhvr>
+                                        <p:cTn id="27" dur="664" tmFilter="0.0,0.0; 0.25,0.07; 0.50,0.2; 0.75,0.467; 1.0,1.0">
+                                          <p:stCondLst>
+                                            <p:cond delay="0"/>
+                                          </p:stCondLst>
+                                        </p:cTn>
+                                        <p:tgtEl>
+                                          <p:spTgt spid="5"/>
+                                        </p:tgtEl>
+                                        <p:attrNameLst>
+                                          <p:attrName>ppt_y</p:attrName>
+                                        </p:attrNameLst>
+                                      </p:cBhvr>
+                                      <p:tavLst>
+                                        <p:tav tm="0" fmla="#ppt_y-sin(pi*$)/3">
+                                          <p:val>
+                                            <p:fltVal val="0.5"/>
+                                          </p:val>
+                                        </p:tav>
+                                        <p:tav tm="100000">
+                                          <p:val>
+                                            <p:fltVal val="1"/>
+                                          </p:val>
+                                        </p:tav>
+                                      </p:tavLst>
+                                    </p:anim>
+                                    <p:anim calcmode="lin" valueType="num">
+                                      <p:cBhvr>
+                                        <p:cTn id="28" dur="664" tmFilter="0, 0; 0.125,0.2665; 0.25,0.4; 0.375,0.465; 0.5,0.5;  0.625,0.535; 0.75,0.6; 0.875,0.7335; 1,1">
+                                          <p:stCondLst>
+                                            <p:cond delay="664"/>
+                                          </p:stCondLst>
+                                        </p:cTn>
+                                        <p:tgtEl>
+                                          <p:spTgt spid="5"/>
+                                        </p:tgtEl>
+                                        <p:attrNameLst>
+                                          <p:attrName>ppt_y</p:attrName>
+                                        </p:attrNameLst>
+                                      </p:cBhvr>
+                                      <p:tavLst>
+                                        <p:tav tm="0" fmla="#ppt_y-sin(pi*$)/9">
+                                          <p:val>
+                                            <p:fltVal val="0"/>
+                                          </p:val>
+                                        </p:tav>
+                                        <p:tav tm="100000">
+                                          <p:val>
+                                            <p:fltVal val="1"/>
+                                          </p:val>
+                                        </p:tav>
+                                      </p:tavLst>
+                                    </p:anim>
+                                    <p:anim calcmode="lin" valueType="num">
+                                      <p:cBhvr>
+                                        <p:cTn id="29" dur="332" tmFilter="0, 0; 0.125,0.2665; 0.25,0.4; 0.375,0.465; 0.5,0.5;  0.625,0.535; 0.75,0.6; 0.875,0.7335; 1,1">
+                                          <p:stCondLst>
+                                            <p:cond delay="1324"/>
+                                          </p:stCondLst>
+                                        </p:cTn>
+                                        <p:tgtEl>
+                                          <p:spTgt spid="5"/>
+                                        </p:tgtEl>
+                                        <p:attrNameLst>
+                                          <p:attrName>ppt_y</p:attrName>
+                                        </p:attrNameLst>
+                                      </p:cBhvr>
+                                      <p:tavLst>
+                                        <p:tav tm="0" fmla="#ppt_y-sin(pi*$)/27">
+                                          <p:val>
+                                            <p:fltVal val="0"/>
+                                          </p:val>
+                                        </p:tav>
+                                        <p:tav tm="100000">
+                                          <p:val>
+                                            <p:fltVal val="1"/>
+                                          </p:val>
+                                        </p:tav>
+                                      </p:tavLst>
+                                    </p:anim>
+                                    <p:anim calcmode="lin" valueType="num">
+                                      <p:cBhvr>
+                                        <p:cTn id="30" dur="164" tmFilter="0, 0; 0.125,0.2665; 0.25,0.4; 0.375,0.465; 0.5,0.5;  0.625,0.535; 0.75,0.6; 0.875,0.7335; 1,1">
+                                          <p:stCondLst>
+                                            <p:cond delay="1656"/>
+                                          </p:stCondLst>
+                                        </p:cTn>
+                                        <p:tgtEl>
+                                          <p:spTgt spid="5"/>
+                                        </p:tgtEl>
+                                        <p:attrNameLst>
+                                          <p:attrName>ppt_y</p:attrName>
+                                        </p:attrNameLst>
+                                      </p:cBhvr>
+                                      <p:tavLst>
+                                        <p:tav tm="0" fmla="#ppt_y-sin(pi*$)/81">
+                                          <p:val>
+                                            <p:fltVal val="0"/>
+                                          </p:val>
+                                        </p:tav>
+                                        <p:tav tm="100000">
+                                          <p:val>
+                                            <p:fltVal val="1"/>
+                                          </p:val>
+                                        </p:tav>
+                                      </p:tavLst>
+                                    </p:anim>
+                                    <p:animScale>
+                                      <p:cBhvr>
+                                        <p:cTn id="31" dur="26">
+                                          <p:stCondLst>
+                                            <p:cond delay="650"/>
+                                          </p:stCondLst>
+                                        </p:cTn>
+                                        <p:tgtEl>
+                                          <p:spTgt spid="5"/>
+                                        </p:tgtEl>
+                                      </p:cBhvr>
+                                      <p:to x="100000" y="60000"/>
+                                    </p:animScale>
+                                    <p:animScale>
+                                      <p:cBhvr>
+                                        <p:cTn id="32" dur="166" decel="50000">
+                                          <p:stCondLst>
+                                            <p:cond delay="676"/>
+                                          </p:stCondLst>
+                                        </p:cTn>
+                                        <p:tgtEl>
+                                          <p:spTgt spid="5"/>
+                                        </p:tgtEl>
+                                      </p:cBhvr>
+                                      <p:to x="100000" y="100000"/>
+                                    </p:animScale>
+                                    <p:animScale>
+                                      <p:cBhvr>
+                                        <p:cTn id="33" dur="26">
+                                          <p:stCondLst>
+                                            <p:cond delay="1312"/>
+                                          </p:stCondLst>
+                                        </p:cTn>
+                                        <p:tgtEl>
+                                          <p:spTgt spid="5"/>
+                                        </p:tgtEl>
+                                      </p:cBhvr>
+                                      <p:to x="100000" y="80000"/>
+                                    </p:animScale>
+                                    <p:animScale>
+                                      <p:cBhvr>
+                                        <p:cTn id="34" dur="166" decel="50000">
+                                          <p:stCondLst>
+                                            <p:cond delay="1338"/>
+                                          </p:stCondLst>
+                                        </p:cTn>
+                                        <p:tgtEl>
+                                          <p:spTgt spid="5"/>
+                                        </p:tgtEl>
+                                      </p:cBhvr>
+                                      <p:to x="100000" y="100000"/>
+                                    </p:animScale>
+                                    <p:animScale>
+                                      <p:cBhvr>
+                                        <p:cTn id="35" dur="26">
+                                          <p:stCondLst>
+                                            <p:cond delay="1642"/>
+                                          </p:stCondLst>
+                                        </p:cTn>
+                                        <p:tgtEl>
+                                          <p:spTgt spid="5"/>
+                                        </p:tgtEl>
+                                      </p:cBhvr>
+                                      <p:to x="100000" y="90000"/>
+                                    </p:animScale>
+                                    <p:animScale>
+                                      <p:cBhvr>
+                                        <p:cTn id="36" dur="166" decel="50000">
+                                          <p:stCondLst>
+                                            <p:cond delay="1668"/>
+                                          </p:stCondLst>
+                                        </p:cTn>
+                                        <p:tgtEl>
+                                          <p:spTgt spid="5"/>
+                                        </p:tgtEl>
+                                      </p:cBhvr>
+                                      <p:to x="100000" y="100000"/>
+                                    </p:animScale>
+                                    <p:animScale>
+                                      <p:cBhvr>
+                                        <p:cTn id="37" dur="26">
+                                          <p:stCondLst>
+                                            <p:cond delay="1808"/>
+                                          </p:stCondLst>
+                                        </p:cTn>
+                                        <p:tgtEl>
+                                          <p:spTgt spid="5"/>
+                                        </p:tgtEl>
+                                      </p:cBhvr>
+                                      <p:to x="100000" y="95000"/>
+                                    </p:animScale>
+                                    <p:animScale>
+                                      <p:cBhvr>
+                                        <p:cTn id="38" dur="166" decel="50000">
+                                          <p:stCondLst>
+                                            <p:cond delay="1834"/>
+                                          </p:stCondLst>
+                                        </p:cTn>
+                                        <p:tgtEl>
+                                          <p:spTgt spid="5"/>
+                                        </p:tgtEl>
+                                      </p:cBhvr>
+                                      <p:to x="100000" y="100000"/>
+                                    </p:animScale>
+                                  </p:childTnLst>
+                                </p:cTn>
+                              </p:par>
+                            </p:childTnLst>
+                          </p:cTn>
+                        </p:par>
+                      </p:childTnLst>
+                    </p:cTn>
+                  </p:par>
+                  <p:par>
+                    <p:cTn id="39" fill="hold">
+                      <p:stCondLst>
+                        <p:cond delay="indefinite"/>
+                      </p:stCondLst>
+                      <p:childTnLst>
+                        <p:par>
+                          <p:cTn id="40" fill="hold">
+                            <p:stCondLst>
+                              <p:cond delay="0"/>
+                            </p:stCondLst>
+                            <p:childTnLst>
+                              <p:par>
+                                <p:cTn id="41" presetID="14" presetClass="entr" presetSubtype="10" fill="hold" grpId="0" nodeType="clickEffect">
+                                  <p:stCondLst>
+                                    <p:cond delay="0"/>
+                                  </p:stCondLst>
+                                  <p:childTnLst>
+                                    <p:set>
+                                      <p:cBhvr>
+                                        <p:cTn id="42" dur="1" fill="hold">
+                                          <p:stCondLst>
+                                            <p:cond delay="0"/>
+                                          </p:stCondLst>
+                                        </p:cTn>
+                                        <p:tgtEl>
+                                          <p:spTgt spid="6"/>
+                                        </p:tgtEl>
+                                        <p:attrNameLst>
+                                          <p:attrName>style.visibility</p:attrName>
+                                        </p:attrNameLst>
+                                      </p:cBhvr>
+                                      <p:to>
+                                        <p:strVal val="visible"/>
+                                      </p:to>
+                                    </p:set>
+                                    <p:animEffect transition="in" filter="randombar(horizontal)">
+                                      <p:cBhvr>
+                                        <p:cTn id="43" dur="1000"/>
+                                        <p:tgtEl>
+                                          <p:spTgt spid="6"/>
+                                        </p:tgtEl>
+                                      </p:cBhvr>
+                                    </p:animEffect>
                                   </p:childTnLst>
                                 </p:cTn>
                               </p:par>
@@ -18459,6 +19022,10 @@
     </p:tnLst>
     <p:bldLst>
       <p:bldP spid="4" grpId="0"/>
+      <p:bldP spid="4" grpId="1"/>
+      <p:bldP spid="3" grpId="0"/>
+      <p:bldP spid="5" grpId="0"/>
+      <p:bldP spid="6" grpId="0"/>
     </p:bldLst>
   </p:timing>
 </p:sld>
